--- a/TOM_Figures.pptx
+++ b/TOM_Figures.pptx
@@ -6,7 +6,8 @@
   </p:sldMasterIdLst>
   <p:sldIdLst>
     <p:sldId id="256" r:id="rId2"/>
-    <p:sldId id="257" r:id="rId3"/>
+    <p:sldId id="258" r:id="rId3"/>
+    <p:sldId id="257" r:id="rId4"/>
   </p:sldIdLst>
   <p:sldSz cx="12192000" cy="6858000"/>
   <p:notesSz cx="6858000" cy="9144000"/>
@@ -105,6 +106,11 @@
       </a:defRPr>
     </a:lvl9pPr>
   </p:defaultTextStyle>
+  <p:extLst>
+    <p:ext uri="{EFAFB233-063F-42B5-8137-9DF3F51BA10A}">
+      <p15:sldGuideLst xmlns:p15="http://schemas.microsoft.com/office/powerpoint/2012/main"/>
+    </p:ext>
+  </p:extLst>
 </p:presentation>
 </file>
 
@@ -255,7 +261,7 @@
           <a:p>
             <a:fld id="{E337E43C-F276-4621-96D3-AE42A9CE2D37}" type="datetimeFigureOut">
               <a:rPr lang="en-US" smtClean="0"/>
-              <a:t>2/15/2021</a:t>
+              <a:t>7/12/2021</a:t>
             </a:fld>
             <a:endParaRPr lang="en-US"/>
           </a:p>
@@ -453,7 +459,7 @@
           <a:p>
             <a:fld id="{E337E43C-F276-4621-96D3-AE42A9CE2D37}" type="datetimeFigureOut">
               <a:rPr lang="en-US" smtClean="0"/>
-              <a:t>2/15/2021</a:t>
+              <a:t>7/12/2021</a:t>
             </a:fld>
             <a:endParaRPr lang="en-US"/>
           </a:p>
@@ -661,7 +667,7 @@
           <a:p>
             <a:fld id="{E337E43C-F276-4621-96D3-AE42A9CE2D37}" type="datetimeFigureOut">
               <a:rPr lang="en-US" smtClean="0"/>
-              <a:t>2/15/2021</a:t>
+              <a:t>7/12/2021</a:t>
             </a:fld>
             <a:endParaRPr lang="en-US"/>
           </a:p>
@@ -859,7 +865,7 @@
           <a:p>
             <a:fld id="{E337E43C-F276-4621-96D3-AE42A9CE2D37}" type="datetimeFigureOut">
               <a:rPr lang="en-US" smtClean="0"/>
-              <a:t>2/15/2021</a:t>
+              <a:t>7/12/2021</a:t>
             </a:fld>
             <a:endParaRPr lang="en-US"/>
           </a:p>
@@ -1134,7 +1140,7 @@
           <a:p>
             <a:fld id="{E337E43C-F276-4621-96D3-AE42A9CE2D37}" type="datetimeFigureOut">
               <a:rPr lang="en-US" smtClean="0"/>
-              <a:t>2/15/2021</a:t>
+              <a:t>7/12/2021</a:t>
             </a:fld>
             <a:endParaRPr lang="en-US"/>
           </a:p>
@@ -1399,7 +1405,7 @@
           <a:p>
             <a:fld id="{E337E43C-F276-4621-96D3-AE42A9CE2D37}" type="datetimeFigureOut">
               <a:rPr lang="en-US" smtClean="0"/>
-              <a:t>2/15/2021</a:t>
+              <a:t>7/12/2021</a:t>
             </a:fld>
             <a:endParaRPr lang="en-US"/>
           </a:p>
@@ -1811,7 +1817,7 @@
           <a:p>
             <a:fld id="{E337E43C-F276-4621-96D3-AE42A9CE2D37}" type="datetimeFigureOut">
               <a:rPr lang="en-US" smtClean="0"/>
-              <a:t>2/15/2021</a:t>
+              <a:t>7/12/2021</a:t>
             </a:fld>
             <a:endParaRPr lang="en-US"/>
           </a:p>
@@ -1952,7 +1958,7 @@
           <a:p>
             <a:fld id="{E337E43C-F276-4621-96D3-AE42A9CE2D37}" type="datetimeFigureOut">
               <a:rPr lang="en-US" smtClean="0"/>
-              <a:t>2/15/2021</a:t>
+              <a:t>7/12/2021</a:t>
             </a:fld>
             <a:endParaRPr lang="en-US"/>
           </a:p>
@@ -2065,7 +2071,7 @@
           <a:p>
             <a:fld id="{E337E43C-F276-4621-96D3-AE42A9CE2D37}" type="datetimeFigureOut">
               <a:rPr lang="en-US" smtClean="0"/>
-              <a:t>2/15/2021</a:t>
+              <a:t>7/12/2021</a:t>
             </a:fld>
             <a:endParaRPr lang="en-US"/>
           </a:p>
@@ -2376,7 +2382,7 @@
           <a:p>
             <a:fld id="{E337E43C-F276-4621-96D3-AE42A9CE2D37}" type="datetimeFigureOut">
               <a:rPr lang="en-US" smtClean="0"/>
-              <a:t>2/15/2021</a:t>
+              <a:t>7/12/2021</a:t>
             </a:fld>
             <a:endParaRPr lang="en-US"/>
           </a:p>
@@ -2664,7 +2670,7 @@
           <a:p>
             <a:fld id="{E337E43C-F276-4621-96D3-AE42A9CE2D37}" type="datetimeFigureOut">
               <a:rPr lang="en-US" smtClean="0"/>
-              <a:t>2/15/2021</a:t>
+              <a:t>7/12/2021</a:t>
             </a:fld>
             <a:endParaRPr lang="en-US"/>
           </a:p>
@@ -2905,7 +2911,7 @@
           <a:p>
             <a:fld id="{E337E43C-F276-4621-96D3-AE42A9CE2D37}" type="datetimeFigureOut">
               <a:rPr lang="en-US" smtClean="0"/>
-              <a:t>2/15/2021</a:t>
+              <a:t>7/12/2021</a:t>
             </a:fld>
             <a:endParaRPr lang="en-US"/>
           </a:p>
@@ -3324,6 +3330,72 @@
       </p:grpSpPr>
       <p:sp>
         <p:nvSpPr>
+          <p:cNvPr id="2" name="Rectangle 1">
+            <a:extLst>
+              <a:ext uri="{FF2B5EF4-FFF2-40B4-BE49-F238E27FC236}">
+                <a16:creationId xmlns:a16="http://schemas.microsoft.com/office/drawing/2014/main" id="{D3173705-465F-436A-9C6F-D15AB798B843}"/>
+              </a:ext>
+            </a:extLst>
+          </p:cNvPr>
+          <p:cNvSpPr/>
+          <p:nvPr/>
+        </p:nvSpPr>
+        <p:spPr>
+          <a:xfrm>
+            <a:off x="1571347" y="3000651"/>
+            <a:ext cx="8833281" cy="2929631"/>
+          </a:xfrm>
+          <a:prstGeom prst="rect">
+            <a:avLst/>
+          </a:prstGeom>
+          <a:solidFill>
+            <a:schemeClr val="bg1">
+              <a:lumMod val="95000"/>
+            </a:schemeClr>
+          </a:solidFill>
+          <a:ln>
+            <a:solidFill>
+              <a:schemeClr val="tx1"/>
+            </a:solidFill>
+          </a:ln>
+        </p:spPr>
+        <p:style>
+          <a:lnRef idx="2">
+            <a:schemeClr val="accent1">
+              <a:shade val="50000"/>
+            </a:schemeClr>
+          </a:lnRef>
+          <a:fillRef idx="1">
+            <a:schemeClr val="accent1"/>
+          </a:fillRef>
+          <a:effectRef idx="0">
+            <a:schemeClr val="accent1"/>
+          </a:effectRef>
+          <a:fontRef idx="minor">
+            <a:schemeClr val="lt1"/>
+          </a:fontRef>
+        </p:style>
+        <p:txBody>
+          <a:bodyPr bIns="91440" rtlCol="0" anchor="b"/>
+          <a:lstStyle/>
+          <a:p>
+            <a:pPr algn="ctr"/>
+            <a:r>
+              <a:rPr lang="en-US" sz="2000" dirty="0">
+                <a:solidFill>
+                  <a:schemeClr val="tx1">
+                    <a:lumMod val="50000"/>
+                    <a:lumOff val="50000"/>
+                  </a:schemeClr>
+                </a:solidFill>
+              </a:rPr>
+              <a:t>Local Desktop Setup on Windows</a:t>
+            </a:r>
+          </a:p>
+        </p:txBody>
+      </p:sp>
+      <p:sp>
+        <p:nvSpPr>
           <p:cNvPr id="7" name="Rectangle 6">
             <a:extLst>
               <a:ext uri="{FF2B5EF4-FFF2-40B4-BE49-F238E27FC236}">
@@ -3936,7 +4008,7 @@
         </p:nvSpPr>
         <p:spPr>
           <a:xfrm>
-            <a:off x="2888394" y="3212137"/>
+            <a:off x="1988233" y="3212137"/>
             <a:ext cx="2932206" cy="2216442"/>
           </a:xfrm>
           <a:prstGeom prst="rect">
@@ -3976,7 +4048,7 @@
                   <a:schemeClr val="tx1"/>
                 </a:solidFill>
               </a:rPr>
-              <a:t>Your Application</a:t>
+              <a:t>Custom External Tool</a:t>
             </a:r>
           </a:p>
           <a:p>
@@ -3987,7 +4059,7 @@
                   <a:schemeClr val="tx1"/>
                 </a:solidFill>
               </a:rPr>
-              <a:t>Desktop or Web Application</a:t>
+              <a:t>.NET 5 Application</a:t>
             </a:r>
           </a:p>
         </p:txBody>
@@ -4121,7 +4193,7 @@
         </p:nvGrpSpPr>
         <p:grpSpPr>
           <a:xfrm>
-            <a:off x="3098306" y="3871821"/>
+            <a:off x="2198145" y="3871821"/>
             <a:ext cx="2512381" cy="1308177"/>
             <a:chOff x="905522" y="804708"/>
             <a:chExt cx="2512381" cy="1654129"/>
@@ -4334,16 +4406,16 @@
         </p:nvSpPr>
         <p:spPr>
           <a:xfrm>
-            <a:off x="5721526" y="4290358"/>
-            <a:ext cx="1016628" cy="444820"/>
+            <a:off x="4766937" y="4254846"/>
+            <a:ext cx="2009775" cy="542517"/>
           </a:xfrm>
           <a:prstGeom prst="rightArrow">
             <a:avLst/>
           </a:prstGeom>
           <a:solidFill>
-            <a:schemeClr val="accent2">
-              <a:lumMod val="60000"/>
-              <a:lumOff val="40000"/>
+            <a:schemeClr val="accent4">
+              <a:lumMod val="40000"/>
+              <a:lumOff val="60000"/>
             </a:schemeClr>
           </a:solidFill>
         </p:spPr>
@@ -4368,7 +4440,15 @@
           <a:lstStyle/>
           <a:p>
             <a:pPr algn="ctr"/>
-            <a:endParaRPr lang="en-US"/>
+            <a:r>
+              <a:rPr lang="en-US" sz="1200" b="1" dirty="0">
+                <a:solidFill>
+                  <a:schemeClr val="tx1"/>
+                </a:solidFill>
+                <a:latin typeface="Lucida Console" panose="020B0609040504020204" pitchFamily="49" charset="0"/>
+              </a:rPr>
+              <a:t>localhost:60823</a:t>
+            </a:r>
           </a:p>
         </p:txBody>
       </p:sp>
@@ -4386,6 +4466,442 @@
 </file>
 
 <file path=ppt/slides/slide2.xml><?xml version="1.0" encoding="utf-8"?>
+<p:sld xmlns:a="http://schemas.openxmlformats.org/drawingml/2006/main" xmlns:r="http://schemas.openxmlformats.org/officeDocument/2006/relationships" xmlns:p="http://schemas.openxmlformats.org/presentationml/2006/main">
+  <p:cSld>
+    <p:spTree>
+      <p:nvGrpSpPr>
+        <p:cNvPr id="1" name=""/>
+        <p:cNvGrpSpPr/>
+        <p:nvPr/>
+      </p:nvGrpSpPr>
+      <p:grpSpPr>
+        <a:xfrm>
+          <a:off x="0" y="0"/>
+          <a:ext cx="0" cy="0"/>
+          <a:chOff x="0" y="0"/>
+          <a:chExt cx="0" cy="0"/>
+        </a:xfrm>
+      </p:grpSpPr>
+      <p:sp>
+        <p:nvSpPr>
+          <p:cNvPr id="4" name="Rectangle 3">
+            <a:extLst>
+              <a:ext uri="{FF2B5EF4-FFF2-40B4-BE49-F238E27FC236}">
+                <a16:creationId xmlns:a16="http://schemas.microsoft.com/office/drawing/2014/main" id="{0A562AFE-1DF4-4B3F-A257-EEE92CE693B4}"/>
+              </a:ext>
+            </a:extLst>
+          </p:cNvPr>
+          <p:cNvSpPr/>
+          <p:nvPr/>
+        </p:nvSpPr>
+        <p:spPr>
+          <a:xfrm>
+            <a:off x="1331652" y="1251751"/>
+            <a:ext cx="8735626" cy="3258106"/>
+          </a:xfrm>
+          <a:prstGeom prst="rect">
+            <a:avLst/>
+          </a:prstGeom>
+          <a:noFill/>
+        </p:spPr>
+        <p:style>
+          <a:lnRef idx="2">
+            <a:schemeClr val="accent1">
+              <a:shade val="50000"/>
+            </a:schemeClr>
+          </a:lnRef>
+          <a:fillRef idx="1">
+            <a:schemeClr val="accent1"/>
+          </a:fillRef>
+          <a:effectRef idx="0">
+            <a:schemeClr val="accent1"/>
+          </a:effectRef>
+          <a:fontRef idx="minor">
+            <a:schemeClr val="lt1"/>
+          </a:fontRef>
+        </p:style>
+        <p:txBody>
+          <a:bodyPr rtlCol="0" anchor="ctr"/>
+          <a:lstStyle/>
+          <a:p>
+            <a:pPr algn="ctr"/>
+            <a:endParaRPr lang="en-US"/>
+          </a:p>
+        </p:txBody>
+      </p:sp>
+      <p:sp>
+        <p:nvSpPr>
+          <p:cNvPr id="7" name="Rectangle 6">
+            <a:extLst>
+              <a:ext uri="{FF2B5EF4-FFF2-40B4-BE49-F238E27FC236}">
+                <a16:creationId xmlns:a16="http://schemas.microsoft.com/office/drawing/2014/main" id="{2766C1F5-BA3D-4A63-8BC6-513C032839E1}"/>
+              </a:ext>
+            </a:extLst>
+          </p:cNvPr>
+          <p:cNvSpPr/>
+          <p:nvPr/>
+        </p:nvSpPr>
+        <p:spPr>
+          <a:xfrm>
+            <a:off x="6442649" y="1454597"/>
+            <a:ext cx="3225133" cy="2833318"/>
+          </a:xfrm>
+          <a:prstGeom prst="rect">
+            <a:avLst/>
+          </a:prstGeom>
+          <a:solidFill>
+            <a:schemeClr val="accent4">
+              <a:lumMod val="20000"/>
+              <a:lumOff val="80000"/>
+            </a:schemeClr>
+          </a:solidFill>
+        </p:spPr>
+        <p:style>
+          <a:lnRef idx="2">
+            <a:schemeClr val="accent1">
+              <a:shade val="50000"/>
+            </a:schemeClr>
+          </a:lnRef>
+          <a:fillRef idx="1">
+            <a:schemeClr val="accent1"/>
+          </a:fillRef>
+          <a:effectRef idx="0">
+            <a:schemeClr val="accent1"/>
+          </a:effectRef>
+          <a:fontRef idx="minor">
+            <a:schemeClr val="lt1"/>
+          </a:fontRef>
+        </p:style>
+        <p:txBody>
+          <a:bodyPr rtlCol="0" anchor="t"/>
+          <a:lstStyle/>
+          <a:p>
+            <a:pPr algn="ctr"/>
+            <a:r>
+              <a:rPr lang="en-US" sz="2000" dirty="0" err="1">
+                <a:solidFill>
+                  <a:schemeClr val="tx1"/>
+                </a:solidFill>
+              </a:rPr>
+              <a:t>DatasetTemplate.pbix</a:t>
+            </a:r>
+            <a:endParaRPr lang="en-US" sz="2000" dirty="0">
+              <a:solidFill>
+                <a:schemeClr val="tx1"/>
+              </a:solidFill>
+            </a:endParaRPr>
+          </a:p>
+        </p:txBody>
+      </p:sp>
+      <p:sp>
+        <p:nvSpPr>
+          <p:cNvPr id="13" name="Rectangle 12">
+            <a:extLst>
+              <a:ext uri="{FF2B5EF4-FFF2-40B4-BE49-F238E27FC236}">
+                <a16:creationId xmlns:a16="http://schemas.microsoft.com/office/drawing/2014/main" id="{739B9324-719A-41E8-9D7A-6D30E6336F62}"/>
+              </a:ext>
+            </a:extLst>
+          </p:cNvPr>
+          <p:cNvSpPr/>
+          <p:nvPr/>
+        </p:nvSpPr>
+        <p:spPr>
+          <a:xfrm>
+            <a:off x="6809733" y="3118949"/>
+            <a:ext cx="2512380" cy="995501"/>
+          </a:xfrm>
+          <a:prstGeom prst="rect">
+            <a:avLst/>
+          </a:prstGeom>
+          <a:solidFill>
+            <a:schemeClr val="accent2">
+              <a:lumMod val="75000"/>
+            </a:schemeClr>
+          </a:solidFill>
+        </p:spPr>
+        <p:style>
+          <a:lnRef idx="2">
+            <a:schemeClr val="accent1">
+              <a:shade val="50000"/>
+            </a:schemeClr>
+          </a:lnRef>
+          <a:fillRef idx="1">
+            <a:schemeClr val="accent1"/>
+          </a:fillRef>
+          <a:effectRef idx="0">
+            <a:schemeClr val="accent1"/>
+          </a:effectRef>
+          <a:fontRef idx="minor">
+            <a:schemeClr val="lt1"/>
+          </a:fontRef>
+        </p:style>
+        <p:txBody>
+          <a:bodyPr rtlCol="0" anchor="ctr"/>
+          <a:lstStyle/>
+          <a:p>
+            <a:pPr algn="ctr"/>
+            <a:r>
+              <a:rPr lang="en-US" sz="2400" dirty="0"/>
+              <a:t>Dataset</a:t>
+            </a:r>
+          </a:p>
+        </p:txBody>
+      </p:sp>
+      <p:sp>
+        <p:nvSpPr>
+          <p:cNvPr id="29" name="Rectangle 28">
+            <a:extLst>
+              <a:ext uri="{FF2B5EF4-FFF2-40B4-BE49-F238E27FC236}">
+                <a16:creationId xmlns:a16="http://schemas.microsoft.com/office/drawing/2014/main" id="{38044F41-B7CB-4E45-AB01-3F6F93EBE14B}"/>
+              </a:ext>
+            </a:extLst>
+          </p:cNvPr>
+          <p:cNvSpPr/>
+          <p:nvPr/>
+        </p:nvSpPr>
+        <p:spPr>
+          <a:xfrm>
+            <a:off x="6793457" y="1975209"/>
+            <a:ext cx="2512380" cy="995501"/>
+          </a:xfrm>
+          <a:prstGeom prst="rect">
+            <a:avLst/>
+          </a:prstGeom>
+          <a:solidFill>
+            <a:schemeClr val="accent6">
+              <a:lumMod val="50000"/>
+            </a:schemeClr>
+          </a:solidFill>
+        </p:spPr>
+        <p:style>
+          <a:lnRef idx="2">
+            <a:schemeClr val="accent1">
+              <a:shade val="50000"/>
+            </a:schemeClr>
+          </a:lnRef>
+          <a:fillRef idx="1">
+            <a:schemeClr val="accent1"/>
+          </a:fillRef>
+          <a:effectRef idx="0">
+            <a:schemeClr val="accent1"/>
+          </a:effectRef>
+          <a:fontRef idx="minor">
+            <a:schemeClr val="lt1"/>
+          </a:fontRef>
+        </p:style>
+        <p:txBody>
+          <a:bodyPr rtlCol="0" anchor="ctr"/>
+          <a:lstStyle/>
+          <a:p>
+            <a:pPr algn="ctr"/>
+            <a:r>
+              <a:rPr lang="en-US" sz="2400" dirty="0"/>
+              <a:t>Report</a:t>
+            </a:r>
+          </a:p>
+          <a:p>
+            <a:pPr algn="ctr"/>
+            <a:r>
+              <a:rPr lang="en-US" sz="1400" dirty="0"/>
+              <a:t>(not used)</a:t>
+            </a:r>
+            <a:endParaRPr lang="en-US" sz="2400" dirty="0"/>
+          </a:p>
+        </p:txBody>
+      </p:sp>
+      <p:sp>
+        <p:nvSpPr>
+          <p:cNvPr id="30" name="Rectangle 29">
+            <a:extLst>
+              <a:ext uri="{FF2B5EF4-FFF2-40B4-BE49-F238E27FC236}">
+                <a16:creationId xmlns:a16="http://schemas.microsoft.com/office/drawing/2014/main" id="{F3A793E3-0FFC-43B9-B79E-86C2206C31B8}"/>
+              </a:ext>
+            </a:extLst>
+          </p:cNvPr>
+          <p:cNvSpPr/>
+          <p:nvPr/>
+        </p:nvSpPr>
+        <p:spPr>
+          <a:xfrm>
+            <a:off x="1614675" y="1438322"/>
+            <a:ext cx="3225133" cy="2833318"/>
+          </a:xfrm>
+          <a:prstGeom prst="rect">
+            <a:avLst/>
+          </a:prstGeom>
+          <a:solidFill>
+            <a:schemeClr val="accent4">
+              <a:lumMod val="20000"/>
+              <a:lumOff val="80000"/>
+            </a:schemeClr>
+          </a:solidFill>
+        </p:spPr>
+        <p:style>
+          <a:lnRef idx="2">
+            <a:schemeClr val="accent1">
+              <a:shade val="50000"/>
+            </a:schemeClr>
+          </a:lnRef>
+          <a:fillRef idx="1">
+            <a:schemeClr val="accent1"/>
+          </a:fillRef>
+          <a:effectRef idx="0">
+            <a:schemeClr val="accent1"/>
+          </a:effectRef>
+          <a:fontRef idx="minor">
+            <a:schemeClr val="lt1"/>
+          </a:fontRef>
+        </p:style>
+        <p:txBody>
+          <a:bodyPr rtlCol="0" anchor="t"/>
+          <a:lstStyle/>
+          <a:p>
+            <a:pPr algn="ctr"/>
+            <a:r>
+              <a:rPr lang="en-US" sz="2000" dirty="0" err="1">
+                <a:solidFill>
+                  <a:schemeClr val="tx1"/>
+                </a:solidFill>
+              </a:rPr>
+              <a:t>ReportTemplate.pbix</a:t>
+            </a:r>
+            <a:endParaRPr lang="en-US" sz="2000" dirty="0">
+              <a:solidFill>
+                <a:schemeClr val="tx1"/>
+              </a:solidFill>
+            </a:endParaRPr>
+          </a:p>
+        </p:txBody>
+      </p:sp>
+      <p:sp>
+        <p:nvSpPr>
+          <p:cNvPr id="31" name="Rectangle 30">
+            <a:extLst>
+              <a:ext uri="{FF2B5EF4-FFF2-40B4-BE49-F238E27FC236}">
+                <a16:creationId xmlns:a16="http://schemas.microsoft.com/office/drawing/2014/main" id="{C5D536F7-AD8F-438E-9C9F-0B254EB8CDDF}"/>
+              </a:ext>
+            </a:extLst>
+          </p:cNvPr>
+          <p:cNvSpPr/>
+          <p:nvPr/>
+        </p:nvSpPr>
+        <p:spPr>
+          <a:xfrm>
+            <a:off x="2017269" y="1921943"/>
+            <a:ext cx="2512380" cy="995501"/>
+          </a:xfrm>
+          <a:prstGeom prst="rect">
+            <a:avLst/>
+          </a:prstGeom>
+          <a:solidFill>
+            <a:schemeClr val="accent6">
+              <a:lumMod val="50000"/>
+            </a:schemeClr>
+          </a:solidFill>
+        </p:spPr>
+        <p:style>
+          <a:lnRef idx="2">
+            <a:schemeClr val="accent1">
+              <a:shade val="50000"/>
+            </a:schemeClr>
+          </a:lnRef>
+          <a:fillRef idx="1">
+            <a:schemeClr val="accent1"/>
+          </a:fillRef>
+          <a:effectRef idx="0">
+            <a:schemeClr val="accent1"/>
+          </a:effectRef>
+          <a:fontRef idx="minor">
+            <a:schemeClr val="lt1"/>
+          </a:fontRef>
+        </p:style>
+        <p:txBody>
+          <a:bodyPr rtlCol="0" anchor="ctr"/>
+          <a:lstStyle/>
+          <a:p>
+            <a:pPr algn="ctr"/>
+            <a:r>
+              <a:rPr lang="en-US" sz="2400" dirty="0"/>
+              <a:t>Report</a:t>
+            </a:r>
+          </a:p>
+        </p:txBody>
+      </p:sp>
+      <p:sp>
+        <p:nvSpPr>
+          <p:cNvPr id="33" name="Rectangle 32">
+            <a:extLst>
+              <a:ext uri="{FF2B5EF4-FFF2-40B4-BE49-F238E27FC236}">
+                <a16:creationId xmlns:a16="http://schemas.microsoft.com/office/drawing/2014/main" id="{6D489126-718E-4F8C-8066-92FA23579C09}"/>
+              </a:ext>
+            </a:extLst>
+          </p:cNvPr>
+          <p:cNvSpPr/>
+          <p:nvPr/>
+        </p:nvSpPr>
+        <p:spPr>
+          <a:xfrm>
+            <a:off x="2035027" y="3049407"/>
+            <a:ext cx="2512380" cy="995501"/>
+          </a:xfrm>
+          <a:prstGeom prst="rect">
+            <a:avLst/>
+          </a:prstGeom>
+          <a:solidFill>
+            <a:schemeClr val="accent2">
+              <a:lumMod val="75000"/>
+            </a:schemeClr>
+          </a:solidFill>
+        </p:spPr>
+        <p:style>
+          <a:lnRef idx="2">
+            <a:schemeClr val="accent1">
+              <a:shade val="50000"/>
+            </a:schemeClr>
+          </a:lnRef>
+          <a:fillRef idx="1">
+            <a:schemeClr val="accent1"/>
+          </a:fillRef>
+          <a:effectRef idx="0">
+            <a:schemeClr val="accent1"/>
+          </a:effectRef>
+          <a:fontRef idx="minor">
+            <a:schemeClr val="lt1"/>
+          </a:fontRef>
+        </p:style>
+        <p:txBody>
+          <a:bodyPr rtlCol="0" anchor="ctr"/>
+          <a:lstStyle/>
+          <a:p>
+            <a:pPr algn="ctr"/>
+            <a:r>
+              <a:rPr lang="en-US" sz="2400" dirty="0"/>
+              <a:t>Dev-time Dataset</a:t>
+            </a:r>
+          </a:p>
+          <a:p>
+            <a:pPr algn="ctr"/>
+            <a:r>
+              <a:rPr lang="en-US" sz="1200" dirty="0"/>
+              <a:t>(used in deployment – then deleted)</a:t>
+            </a:r>
+          </a:p>
+        </p:txBody>
+      </p:sp>
+    </p:spTree>
+    <p:extLst>
+      <p:ext uri="{BB962C8B-B14F-4D97-AF65-F5344CB8AC3E}">
+        <p14:creationId xmlns:p14="http://schemas.microsoft.com/office/powerpoint/2010/main" val="1247755108"/>
+      </p:ext>
+    </p:extLst>
+  </p:cSld>
+  <p:clrMapOvr>
+    <a:masterClrMapping/>
+  </p:clrMapOvr>
+</p:sld>
+</file>
+
+<file path=ppt/slides/slide3.xml><?xml version="1.0" encoding="utf-8"?>
 <p:sld xmlns:a="http://schemas.openxmlformats.org/drawingml/2006/main" xmlns:r="http://schemas.openxmlformats.org/officeDocument/2006/relationships" xmlns:p="http://schemas.openxmlformats.org/presentationml/2006/main">
   <p:cSld>
     <p:spTree>
